--- a/presentation.pptx
+++ b/presentation.pptx
@@ -30,14 +30,14 @@
   <p:notesSz cx="6858000" cy="9144000"/>
   <p:embeddedFontLst>
     <p:embeddedFont>
-      <p:font typeface="Karla" pitchFamily="2" charset="0"/>
+      <p:font typeface="Karla" panose="020B0004030503030003" pitchFamily="34" charset="0"/>
       <p:regular r:id="rId20"/>
       <p:bold r:id="rId21"/>
       <p:italic r:id="rId22"/>
       <p:boldItalic r:id="rId23"/>
     </p:embeddedFont>
     <p:embeddedFont>
-      <p:font typeface="Karla Medium" pitchFamily="2" charset="0"/>
+      <p:font typeface="Karla Medium" panose="020B0004030503030003" pitchFamily="34" charset="0"/>
       <p:regular r:id="rId24"/>
       <p:bold r:id="rId25"/>
       <p:italic r:id="rId26"/>
@@ -298,6 +298,267 @@
     </p:ext>
   </p:extLst>
 </p:presentation>
+</file>
+
+<file path=ppt/ink/ink1.xml><?xml version="1.0" encoding="utf-8"?>
+<inkml:ink xmlns:inkml="http://www.w3.org/2003/InkML">
+  <inkml:definitions>
+    <inkml:context xml:id="ctx0">
+      <inkml:inkSource xml:id="inkSrc0">
+        <inkml:traceFormat>
+          <inkml:channel name="X" type="integer" min="-2.14748E9" max="2.14748E9" units="cm"/>
+          <inkml:channel name="Y" type="integer" min="-2.14748E9" max="2.14748E9" units="cm"/>
+        </inkml:traceFormat>
+        <inkml:channelProperties>
+          <inkml:channelProperty channel="X" name="resolution" value="1000" units="1/cm"/>
+          <inkml:channelProperty channel="Y" name="resolution" value="1000" units="1/cm"/>
+        </inkml:channelProperties>
+      </inkml:inkSource>
+      <inkml:timestamp xml:id="ts0" timeString="2024-12-27T07:07:40.648"/>
+    </inkml:context>
+    <inkml:brush xml:id="br0">
+      <inkml:brushProperty name="width" value="0.3" units="cm"/>
+      <inkml:brushProperty name="height" value="0.6" units="cm"/>
+      <inkml:brushProperty name="color" value="#FFFC00"/>
+      <inkml:brushProperty name="tip" value="rectangle"/>
+      <inkml:brushProperty name="rasterOp" value="maskPen"/>
+      <inkml:brushProperty name="ignorePressure" value="1"/>
+    </inkml:brush>
+  </inkml:definitions>
+  <inkml:trace contextRef="#ctx0" brushRef="#br0">0 0,'869'0,"-854"0</inkml:trace>
+</inkml:ink>
+</file>
+
+<file path=ppt/ink/ink2.xml><?xml version="1.0" encoding="utf-8"?>
+<inkml:ink xmlns:inkml="http://www.w3.org/2003/InkML">
+  <inkml:definitions>
+    <inkml:context xml:id="ctx0">
+      <inkml:inkSource xml:id="inkSrc0">
+        <inkml:traceFormat>
+          <inkml:channel name="X" type="integer" min="-2.14748E9" max="2.14748E9" units="cm"/>
+          <inkml:channel name="Y" type="integer" min="-2.14748E9" max="2.14748E9" units="cm"/>
+        </inkml:traceFormat>
+        <inkml:channelProperties>
+          <inkml:channelProperty channel="X" name="resolution" value="1000" units="1/cm"/>
+          <inkml:channelProperty channel="Y" name="resolution" value="1000" units="1/cm"/>
+        </inkml:channelProperties>
+      </inkml:inkSource>
+      <inkml:timestamp xml:id="ts0" timeString="2024-12-27T07:08:50.736"/>
+    </inkml:context>
+    <inkml:brush xml:id="br0">
+      <inkml:brushProperty name="width" value="0.2" units="cm"/>
+      <inkml:brushProperty name="height" value="0.4" units="cm"/>
+      <inkml:brushProperty name="color" value="#FFFC00"/>
+      <inkml:brushProperty name="tip" value="rectangle"/>
+      <inkml:brushProperty name="rasterOp" value="maskPen"/>
+      <inkml:brushProperty name="ignorePressure" value="1"/>
+    </inkml:brush>
+  </inkml:definitions>
+  <inkml:trace contextRef="#ctx0" brushRef="#br0">1 0,'2641'0,"-2623"0</inkml:trace>
+</inkml:ink>
+</file>
+
+<file path=ppt/ink/ink3.xml><?xml version="1.0" encoding="utf-8"?>
+<inkml:ink xmlns:inkml="http://www.w3.org/2003/InkML">
+  <inkml:definitions>
+    <inkml:context xml:id="ctx0">
+      <inkml:inkSource xml:id="inkSrc0">
+        <inkml:traceFormat>
+          <inkml:channel name="X" type="integer" min="-2.14748E9" max="2.14748E9" units="cm"/>
+          <inkml:channel name="Y" type="integer" min="-2.14748E9" max="2.14748E9" units="cm"/>
+        </inkml:traceFormat>
+        <inkml:channelProperties>
+          <inkml:channelProperty channel="X" name="resolution" value="1000" units="1/cm"/>
+          <inkml:channelProperty channel="Y" name="resolution" value="1000" units="1/cm"/>
+        </inkml:channelProperties>
+      </inkml:inkSource>
+      <inkml:timestamp xml:id="ts0" timeString="2024-12-27T07:09:06.791"/>
+    </inkml:context>
+    <inkml:brush xml:id="br0">
+      <inkml:brushProperty name="width" value="0.2" units="cm"/>
+      <inkml:brushProperty name="height" value="0.4" units="cm"/>
+      <inkml:brushProperty name="color" value="#FFFC00"/>
+      <inkml:brushProperty name="tip" value="rectangle"/>
+      <inkml:brushProperty name="rasterOp" value="maskPen"/>
+      <inkml:brushProperty name="ignorePressure" value="1"/>
+    </inkml:brush>
+  </inkml:definitions>
+  <inkml:trace contextRef="#ctx0" brushRef="#br0">1 0,'648'0,"-636"0</inkml:trace>
+</inkml:ink>
+</file>
+
+<file path=ppt/ink/ink4.xml><?xml version="1.0" encoding="utf-8"?>
+<inkml:ink xmlns:inkml="http://www.w3.org/2003/InkML">
+  <inkml:definitions>
+    <inkml:context xml:id="ctx0">
+      <inkml:inkSource xml:id="inkSrc0">
+        <inkml:traceFormat>
+          <inkml:channel name="X" type="integer" min="-2.14748E9" max="2.14748E9" units="cm"/>
+          <inkml:channel name="Y" type="integer" min="-2.14748E9" max="2.14748E9" units="cm"/>
+        </inkml:traceFormat>
+        <inkml:channelProperties>
+          <inkml:channelProperty channel="X" name="resolution" value="1000" units="1/cm"/>
+          <inkml:channelProperty channel="Y" name="resolution" value="1000" units="1/cm"/>
+        </inkml:channelProperties>
+      </inkml:inkSource>
+      <inkml:timestamp xml:id="ts0" timeString="2024-12-27T07:09:09.851"/>
+    </inkml:context>
+    <inkml:brush xml:id="br0">
+      <inkml:brushProperty name="width" value="0.2" units="cm"/>
+      <inkml:brushProperty name="height" value="0.4" units="cm"/>
+      <inkml:brushProperty name="color" value="#FFFC00"/>
+      <inkml:brushProperty name="tip" value="rectangle"/>
+      <inkml:brushProperty name="rasterOp" value="maskPen"/>
+      <inkml:brushProperty name="ignorePressure" value="1"/>
+    </inkml:brush>
+  </inkml:definitions>
+  <inkml:trace contextRef="#ctx0" brushRef="#br0">1 0,'1949'0,"-1932"0</inkml:trace>
+</inkml:ink>
+</file>
+
+<file path=ppt/ink/ink5.xml><?xml version="1.0" encoding="utf-8"?>
+<inkml:ink xmlns:inkml="http://www.w3.org/2003/InkML">
+  <inkml:definitions>
+    <inkml:context xml:id="ctx0">
+      <inkml:inkSource xml:id="inkSrc0">
+        <inkml:traceFormat>
+          <inkml:channel name="X" type="integer" min="-2.14748E9" max="2.14748E9" units="cm"/>
+          <inkml:channel name="Y" type="integer" min="-2.14748E9" max="2.14748E9" units="cm"/>
+        </inkml:traceFormat>
+        <inkml:channelProperties>
+          <inkml:channelProperty channel="X" name="resolution" value="1000" units="1/cm"/>
+          <inkml:channelProperty channel="Y" name="resolution" value="1000" units="1/cm"/>
+        </inkml:channelProperties>
+      </inkml:inkSource>
+      <inkml:timestamp xml:id="ts0" timeString="2024-12-27T07:09:13.170"/>
+    </inkml:context>
+    <inkml:brush xml:id="br0">
+      <inkml:brushProperty name="width" value="0.2" units="cm"/>
+      <inkml:brushProperty name="height" value="0.4" units="cm"/>
+      <inkml:brushProperty name="color" value="#FFFC00"/>
+      <inkml:brushProperty name="tip" value="rectangle"/>
+      <inkml:brushProperty name="rasterOp" value="maskPen"/>
+      <inkml:brushProperty name="ignorePressure" value="1"/>
+    </inkml:brush>
+  </inkml:definitions>
+  <inkml:trace contextRef="#ctx0" brushRef="#br0">1 0,'2659'0,"-2642"0</inkml:trace>
+</inkml:ink>
+</file>
+
+<file path=ppt/ink/ink6.xml><?xml version="1.0" encoding="utf-8"?>
+<inkml:ink xmlns:inkml="http://www.w3.org/2003/InkML">
+  <inkml:definitions>
+    <inkml:context xml:id="ctx0">
+      <inkml:inkSource xml:id="inkSrc0">
+        <inkml:traceFormat>
+          <inkml:channel name="X" type="integer" min="-2.14748E9" max="2.14748E9" units="cm"/>
+          <inkml:channel name="Y" type="integer" min="-2.14748E9" max="2.14748E9" units="cm"/>
+        </inkml:traceFormat>
+        <inkml:channelProperties>
+          <inkml:channelProperty channel="X" name="resolution" value="1000" units="1/cm"/>
+          <inkml:channelProperty channel="Y" name="resolution" value="1000" units="1/cm"/>
+        </inkml:channelProperties>
+      </inkml:inkSource>
+      <inkml:timestamp xml:id="ts0" timeString="2024-12-27T07:09:19.088"/>
+    </inkml:context>
+    <inkml:brush xml:id="br0">
+      <inkml:brushProperty name="width" value="0.2" units="cm"/>
+      <inkml:brushProperty name="height" value="0.4" units="cm"/>
+      <inkml:brushProperty name="color" value="#FFFC00"/>
+      <inkml:brushProperty name="tip" value="rectangle"/>
+      <inkml:brushProperty name="rasterOp" value="maskPen"/>
+      <inkml:brushProperty name="ignorePressure" value="1"/>
+    </inkml:brush>
+  </inkml:definitions>
+  <inkml:trace contextRef="#ctx0" brushRef="#br0">0 0,'2973'0,"-2956"0</inkml:trace>
+</inkml:ink>
+</file>
+
+<file path=ppt/ink/ink7.xml><?xml version="1.0" encoding="utf-8"?>
+<inkml:ink xmlns:inkml="http://www.w3.org/2003/InkML">
+  <inkml:definitions>
+    <inkml:context xml:id="ctx0">
+      <inkml:inkSource xml:id="inkSrc0">
+        <inkml:traceFormat>
+          <inkml:channel name="X" type="integer" min="-2.14748E9" max="2.14748E9" units="cm"/>
+          <inkml:channel name="Y" type="integer" min="-2.14748E9" max="2.14748E9" units="cm"/>
+        </inkml:traceFormat>
+        <inkml:channelProperties>
+          <inkml:channelProperty channel="X" name="resolution" value="1000" units="1/cm"/>
+          <inkml:channelProperty channel="Y" name="resolution" value="1000" units="1/cm"/>
+        </inkml:channelProperties>
+      </inkml:inkSource>
+      <inkml:timestamp xml:id="ts0" timeString="2024-12-27T07:10:54.774"/>
+    </inkml:context>
+    <inkml:brush xml:id="br0">
+      <inkml:brushProperty name="width" value="0.2" units="cm"/>
+      <inkml:brushProperty name="height" value="0.4" units="cm"/>
+      <inkml:brushProperty name="color" value="#FFFC00"/>
+      <inkml:brushProperty name="tip" value="rectangle"/>
+      <inkml:brushProperty name="rasterOp" value="maskPen"/>
+      <inkml:brushProperty name="ignorePressure" value="1"/>
+    </inkml:brush>
+  </inkml:definitions>
+  <inkml:trace contextRef="#ctx0" brushRef="#br0">1 0,'2946'0,"-2933"0</inkml:trace>
+</inkml:ink>
+</file>
+
+<file path=ppt/ink/ink8.xml><?xml version="1.0" encoding="utf-8"?>
+<inkml:ink xmlns:inkml="http://www.w3.org/2003/InkML">
+  <inkml:definitions>
+    <inkml:context xml:id="ctx0">
+      <inkml:inkSource xml:id="inkSrc0">
+        <inkml:traceFormat>
+          <inkml:channel name="X" type="integer" min="-2.14748E9" max="2.14748E9" units="cm"/>
+          <inkml:channel name="Y" type="integer" min="-2.14748E9" max="2.14748E9" units="cm"/>
+        </inkml:traceFormat>
+        <inkml:channelProperties>
+          <inkml:channelProperty channel="X" name="resolution" value="1000" units="1/cm"/>
+          <inkml:channelProperty channel="Y" name="resolution" value="1000" units="1/cm"/>
+        </inkml:channelProperties>
+      </inkml:inkSource>
+      <inkml:timestamp xml:id="ts0" timeString="2024-12-27T07:10:57.306"/>
+    </inkml:context>
+    <inkml:brush xml:id="br0">
+      <inkml:brushProperty name="width" value="0.2" units="cm"/>
+      <inkml:brushProperty name="height" value="0.4" units="cm"/>
+      <inkml:brushProperty name="color" value="#FFFC00"/>
+      <inkml:brushProperty name="tip" value="rectangle"/>
+      <inkml:brushProperty name="rasterOp" value="maskPen"/>
+      <inkml:brushProperty name="ignorePressure" value="1"/>
+    </inkml:brush>
+  </inkml:definitions>
+  <inkml:trace contextRef="#ctx0" brushRef="#br0">0 0,'3166'0,"-3152"0</inkml:trace>
+</inkml:ink>
+</file>
+
+<file path=ppt/ink/ink9.xml><?xml version="1.0" encoding="utf-8"?>
+<inkml:ink xmlns:inkml="http://www.w3.org/2003/InkML">
+  <inkml:definitions>
+    <inkml:context xml:id="ctx0">
+      <inkml:inkSource xml:id="inkSrc0">
+        <inkml:traceFormat>
+          <inkml:channel name="X" type="integer" min="-2.14748E9" max="2.14748E9" units="cm"/>
+          <inkml:channel name="Y" type="integer" min="-2.14748E9" max="2.14748E9" units="cm"/>
+        </inkml:traceFormat>
+        <inkml:channelProperties>
+          <inkml:channelProperty channel="X" name="resolution" value="1000" units="1/cm"/>
+          <inkml:channelProperty channel="Y" name="resolution" value="1000" units="1/cm"/>
+        </inkml:channelProperties>
+      </inkml:inkSource>
+      <inkml:timestamp xml:id="ts0" timeString="2024-12-27T07:11:14.012"/>
+    </inkml:context>
+    <inkml:brush xml:id="br0">
+      <inkml:brushProperty name="width" value="0.2" units="cm"/>
+      <inkml:brushProperty name="height" value="0.4" units="cm"/>
+      <inkml:brushProperty name="color" value="#FFFC00"/>
+      <inkml:brushProperty name="tip" value="rectangle"/>
+      <inkml:brushProperty name="rasterOp" value="maskPen"/>
+      <inkml:brushProperty name="ignorePressure" value="1"/>
+    </inkml:brush>
+  </inkml:definitions>
+  <inkml:trace contextRef="#ctx0" brushRef="#br0">1 0,'3179'0,"-3185"0</inkml:trace>
+</inkml:ink>
 </file>
 
 <file path=ppt/notesMasters/notesMaster1.xml><?xml version="1.0" encoding="utf-8"?>
@@ -19474,66 +19735,6 @@
           </a:p>
         </p:txBody>
       </p:sp>
-      <p:pic>
-        <p:nvPicPr>
-          <p:cNvPr id="5" name="Picture 4">
-            <a:extLst>
-              <a:ext uri="{FF2B5EF4-FFF2-40B4-BE49-F238E27FC236}">
-                <a16:creationId xmlns:a16="http://schemas.microsoft.com/office/drawing/2014/main" id="{5EC3F7FF-BBBE-9E26-D323-250A1744547B}"/>
-              </a:ext>
-            </a:extLst>
-          </p:cNvPr>
-          <p:cNvPicPr>
-            <a:picLocks noChangeAspect="1"/>
-          </p:cNvPicPr>
-          <p:nvPr/>
-        </p:nvPicPr>
-        <p:blipFill>
-          <a:blip r:embed="rId3"/>
-          <a:stretch>
-            <a:fillRect/>
-          </a:stretch>
-        </p:blipFill>
-        <p:spPr>
-          <a:xfrm>
-            <a:off x="4672763" y="40148"/>
-            <a:ext cx="3930721" cy="2514743"/>
-          </a:xfrm>
-          <a:prstGeom prst="rect">
-            <a:avLst/>
-          </a:prstGeom>
-        </p:spPr>
-      </p:pic>
-      <p:pic>
-        <p:nvPicPr>
-          <p:cNvPr id="7" name="Picture 6">
-            <a:extLst>
-              <a:ext uri="{FF2B5EF4-FFF2-40B4-BE49-F238E27FC236}">
-                <a16:creationId xmlns:a16="http://schemas.microsoft.com/office/drawing/2014/main" id="{0A175051-3C96-0A12-7209-FA599C97348F}"/>
-              </a:ext>
-            </a:extLst>
-          </p:cNvPr>
-          <p:cNvPicPr>
-            <a:picLocks noChangeAspect="1"/>
-          </p:cNvPicPr>
-          <p:nvPr/>
-        </p:nvPicPr>
-        <p:blipFill>
-          <a:blip r:embed="rId4"/>
-          <a:stretch>
-            <a:fillRect/>
-          </a:stretch>
-        </p:blipFill>
-        <p:spPr>
-          <a:xfrm>
-            <a:off x="4672763" y="2554891"/>
-            <a:ext cx="3889346" cy="2514743"/>
-          </a:xfrm>
-          <a:prstGeom prst="rect">
-            <a:avLst/>
-          </a:prstGeom>
-        </p:spPr>
-      </p:pic>
       <p:sp>
         <p:nvSpPr>
           <p:cNvPr id="2" name="Google Shape;373;p45">
@@ -19582,6 +19783,66 @@
           </a:p>
         </p:txBody>
       </p:sp>
+      <p:pic>
+        <p:nvPicPr>
+          <p:cNvPr id="4" name="Picture 3">
+            <a:extLst>
+              <a:ext uri="{FF2B5EF4-FFF2-40B4-BE49-F238E27FC236}">
+                <a16:creationId xmlns:a16="http://schemas.microsoft.com/office/drawing/2014/main" id="{11F8BB48-A394-4FE7-88EE-EF4FF42FF9A2}"/>
+              </a:ext>
+            </a:extLst>
+          </p:cNvPr>
+          <p:cNvPicPr>
+            <a:picLocks noChangeAspect="1"/>
+          </p:cNvPicPr>
+          <p:nvPr/>
+        </p:nvPicPr>
+        <p:blipFill>
+          <a:blip r:embed="rId3"/>
+          <a:stretch>
+            <a:fillRect/>
+          </a:stretch>
+        </p:blipFill>
+        <p:spPr>
+          <a:xfrm>
+            <a:off x="4672763" y="57007"/>
+            <a:ext cx="3889346" cy="2514743"/>
+          </a:xfrm>
+          <a:prstGeom prst="rect">
+            <a:avLst/>
+          </a:prstGeom>
+        </p:spPr>
+      </p:pic>
+      <p:pic>
+        <p:nvPicPr>
+          <p:cNvPr id="8" name="Picture 7">
+            <a:extLst>
+              <a:ext uri="{FF2B5EF4-FFF2-40B4-BE49-F238E27FC236}">
+                <a16:creationId xmlns:a16="http://schemas.microsoft.com/office/drawing/2014/main" id="{D3879CF4-95FD-1A91-BB72-8379720F0265}"/>
+              </a:ext>
+            </a:extLst>
+          </p:cNvPr>
+          <p:cNvPicPr>
+            <a:picLocks noChangeAspect="1"/>
+          </p:cNvPicPr>
+          <p:nvPr/>
+        </p:nvPicPr>
+        <p:blipFill>
+          <a:blip r:embed="rId4"/>
+          <a:stretch>
+            <a:fillRect/>
+          </a:stretch>
+        </p:blipFill>
+        <p:spPr>
+          <a:xfrm>
+            <a:off x="4672763" y="2571750"/>
+            <a:ext cx="3889346" cy="2514743"/>
+          </a:xfrm>
+          <a:prstGeom prst="rect">
+            <a:avLst/>
+          </a:prstGeom>
+        </p:spPr>
+      </p:pic>
     </p:spTree>
     <p:extLst>
       <p:ext uri="{BB962C8B-B14F-4D97-AF65-F5344CB8AC3E}">
@@ -21318,7 +21579,7 @@
             </a:r>
             <a:r>
               <a:rPr lang="en-US" dirty="0"/>
-              <a:t> for our institute, a balance between target size and performance.</a:t>
+              <a:t> for our institute, which is around 7.5 – 8 depending on the region.</a:t>
             </a:r>
           </a:p>
           <a:p>
@@ -21376,66 +21637,6 @@
           </a:p>
         </p:txBody>
       </p:sp>
-      <p:pic>
-        <p:nvPicPr>
-          <p:cNvPr id="20" name="Picture 19">
-            <a:extLst>
-              <a:ext uri="{FF2B5EF4-FFF2-40B4-BE49-F238E27FC236}">
-                <a16:creationId xmlns:a16="http://schemas.microsoft.com/office/drawing/2014/main" id="{EC12D0AC-6293-F5F1-4964-7F8319ACE1E9}"/>
-              </a:ext>
-            </a:extLst>
-          </p:cNvPr>
-          <p:cNvPicPr>
-            <a:picLocks noChangeAspect="1"/>
-          </p:cNvPicPr>
-          <p:nvPr/>
-        </p:nvPicPr>
-        <p:blipFill>
-          <a:blip r:embed="rId2"/>
-          <a:stretch>
-            <a:fillRect/>
-          </a:stretch>
-        </p:blipFill>
-        <p:spPr>
-          <a:xfrm>
-            <a:off x="4540777" y="2547696"/>
-            <a:ext cx="4348850" cy="2390596"/>
-          </a:xfrm>
-          <a:prstGeom prst="rect">
-            <a:avLst/>
-          </a:prstGeom>
-        </p:spPr>
-      </p:pic>
-      <p:pic>
-        <p:nvPicPr>
-          <p:cNvPr id="22" name="Picture 21">
-            <a:extLst>
-              <a:ext uri="{FF2B5EF4-FFF2-40B4-BE49-F238E27FC236}">
-                <a16:creationId xmlns:a16="http://schemas.microsoft.com/office/drawing/2014/main" id="{7BFF24BA-B25B-A5AF-1FF0-C30E3B02F5A5}"/>
-              </a:ext>
-            </a:extLst>
-          </p:cNvPr>
-          <p:cNvPicPr>
-            <a:picLocks noChangeAspect="1"/>
-          </p:cNvPicPr>
-          <p:nvPr/>
-        </p:nvPicPr>
-        <p:blipFill>
-          <a:blip r:embed="rId3"/>
-          <a:stretch>
-            <a:fillRect/>
-          </a:stretch>
-        </p:blipFill>
-        <p:spPr>
-          <a:xfrm>
-            <a:off x="4540777" y="222373"/>
-            <a:ext cx="4348850" cy="2325323"/>
-          </a:xfrm>
-          <a:prstGeom prst="rect">
-            <a:avLst/>
-          </a:prstGeom>
-        </p:spPr>
-      </p:pic>
       <p:sp>
         <p:nvSpPr>
           <p:cNvPr id="4" name="Google Shape;373;p45">
@@ -21484,6 +21685,66 @@
           </a:p>
         </p:txBody>
       </p:sp>
+      <p:pic>
+        <p:nvPicPr>
+          <p:cNvPr id="3" name="Picture 2">
+            <a:extLst>
+              <a:ext uri="{FF2B5EF4-FFF2-40B4-BE49-F238E27FC236}">
+                <a16:creationId xmlns:a16="http://schemas.microsoft.com/office/drawing/2014/main" id="{CE889F40-75C8-6E5F-3086-DA6630A4E251}"/>
+              </a:ext>
+            </a:extLst>
+          </p:cNvPr>
+          <p:cNvPicPr>
+            <a:picLocks noChangeAspect="1"/>
+          </p:cNvPicPr>
+          <p:nvPr/>
+        </p:nvPicPr>
+        <p:blipFill>
+          <a:blip r:embed="rId2"/>
+          <a:stretch>
+            <a:fillRect/>
+          </a:stretch>
+        </p:blipFill>
+        <p:spPr>
+          <a:xfrm>
+            <a:off x="4540777" y="181154"/>
+            <a:ext cx="4348850" cy="2390596"/>
+          </a:xfrm>
+          <a:prstGeom prst="rect">
+            <a:avLst/>
+          </a:prstGeom>
+        </p:spPr>
+      </p:pic>
+      <p:pic>
+        <p:nvPicPr>
+          <p:cNvPr id="6" name="Picture 5">
+            <a:extLst>
+              <a:ext uri="{FF2B5EF4-FFF2-40B4-BE49-F238E27FC236}">
+                <a16:creationId xmlns:a16="http://schemas.microsoft.com/office/drawing/2014/main" id="{5712513E-D9CE-97DA-F1A7-79DD7BFA46F2}"/>
+              </a:ext>
+            </a:extLst>
+          </p:cNvPr>
+          <p:cNvPicPr>
+            <a:picLocks noChangeAspect="1"/>
+          </p:cNvPicPr>
+          <p:nvPr/>
+        </p:nvPicPr>
+        <p:blipFill>
+          <a:blip r:embed="rId3"/>
+          <a:stretch>
+            <a:fillRect/>
+          </a:stretch>
+        </p:blipFill>
+        <p:spPr>
+          <a:xfrm>
+            <a:off x="4540776" y="2571750"/>
+            <a:ext cx="4348850" cy="2390596"/>
+          </a:xfrm>
+          <a:prstGeom prst="rect">
+            <a:avLst/>
+          </a:prstGeom>
+        </p:spPr>
+      </p:pic>
     </p:spTree>
     <p:extLst>
       <p:ext uri="{BB962C8B-B14F-4D97-AF65-F5344CB8AC3E}">
@@ -21876,6 +22137,29 @@
               </a:spcAft>
               <a:buNone/>
             </a:pPr>
+            <a:r>
+              <a:rPr lang="en-US" dirty="0"/>
+              <a:t>Math score is the </a:t>
+            </a:r>
+            <a:r>
+              <a:rPr lang="en-US" b="1" dirty="0"/>
+              <a:t>main differentiator</a:t>
+            </a:r>
+            <a:r>
+              <a:rPr lang="en-US" dirty="0"/>
+              <a:t> across all regions, with the top 25% getting 7.5 - 8</a:t>
+            </a:r>
+          </a:p>
+          <a:p>
+            <a:pPr marL="0" lvl="0" indent="0" algn="ctr" rtl="0">
+              <a:spcBef>
+                <a:spcPts val="0"/>
+              </a:spcBef>
+              <a:spcAft>
+                <a:spcPts val="0"/>
+              </a:spcAft>
+              <a:buNone/>
+            </a:pPr>
             <a:endParaRPr lang="en-US" dirty="0"/>
           </a:p>
           <a:p>
@@ -22471,7 +22755,7 @@
         </p:nvSpPr>
         <p:spPr>
           <a:xfrm>
-            <a:off x="720000" y="1636650"/>
+            <a:off x="237990" y="1523236"/>
             <a:ext cx="3544800" cy="1870200"/>
           </a:xfrm>
           <a:prstGeom prst="rect">
@@ -22759,8 +23043,8 @@
         </p:blipFill>
         <p:spPr>
           <a:xfrm>
-            <a:off x="4646084" y="1636650"/>
-            <a:ext cx="3777916" cy="2032844"/>
+            <a:off x="3782790" y="1296407"/>
+            <a:ext cx="5191703" cy="2793583"/>
           </a:xfrm>
           <a:prstGeom prst="rect">
             <a:avLst/>
@@ -22783,7 +23067,7 @@
         </p:nvSpPr>
         <p:spPr>
           <a:xfrm>
-            <a:off x="7489134" y="3621753"/>
+            <a:off x="7420148" y="4089990"/>
             <a:ext cx="1003852" cy="332962"/>
           </a:xfrm>
           <a:prstGeom prst="rect">
@@ -23106,8 +23390,8 @@
         </p:nvSpPr>
         <p:spPr>
           <a:xfrm>
-            <a:off x="555569" y="1827150"/>
-            <a:ext cx="3544800" cy="1870200"/>
+            <a:off x="151532" y="1452352"/>
+            <a:ext cx="2492430" cy="1709062"/>
           </a:xfrm>
           <a:prstGeom prst="rect">
             <a:avLst/>
@@ -23224,8 +23508,8 @@
         </p:blipFill>
         <p:spPr>
           <a:xfrm>
-            <a:off x="4264800" y="1574509"/>
-            <a:ext cx="4323631" cy="1872273"/>
+            <a:off x="2643962" y="891206"/>
+            <a:ext cx="6234268" cy="2699641"/>
           </a:xfrm>
           <a:prstGeom prst="rect">
             <a:avLst/>
@@ -23310,6 +23594,57 @@
           </a:p>
         </p:txBody>
       </p:sp>
+      <mc:AlternateContent xmlns:mc="http://schemas.openxmlformats.org/markup-compatibility/2006" xmlns:p14="http://schemas.microsoft.com/office/powerpoint/2010/main">
+        <mc:Choice Requires="p14">
+          <p:contentPart p14:bwMode="auto" r:id="rId4">
+            <p14:nvContentPartPr>
+              <p14:cNvPr id="2" name="Ink 1">
+                <a:extLst>
+                  <a:ext uri="{FF2B5EF4-FFF2-40B4-BE49-F238E27FC236}">
+                    <a16:creationId xmlns:a16="http://schemas.microsoft.com/office/drawing/2014/main" id="{291FE3FB-4FB9-4169-2F6A-DF8919133CCD}"/>
+                  </a:ext>
+                </a:extLst>
+              </p14:cNvPr>
+              <p14:cNvContentPartPr/>
+              <p14:nvPr/>
+            </p14:nvContentPartPr>
+            <p14:xfrm>
+              <a:off x="2778522" y="2847201"/>
+              <a:ext cx="318600" cy="360"/>
+            </p14:xfrm>
+          </p:contentPart>
+        </mc:Choice>
+        <mc:Fallback xmlns="">
+          <p:pic>
+            <p:nvPicPr>
+              <p:cNvPr id="2" name="Ink 1">
+                <a:extLst>
+                  <a:ext uri="{FF2B5EF4-FFF2-40B4-BE49-F238E27FC236}">
+                    <a16:creationId xmlns:a16="http://schemas.microsoft.com/office/drawing/2014/main" id="{291FE3FB-4FB9-4169-2F6A-DF8919133CCD}"/>
+                  </a:ext>
+                </a:extLst>
+              </p:cNvPr>
+              <p:cNvPicPr/>
+              <p:nvPr/>
+            </p:nvPicPr>
+            <p:blipFill>
+              <a:blip r:embed="rId5"/>
+              <a:stretch>
+                <a:fillRect/>
+              </a:stretch>
+            </p:blipFill>
+            <p:spPr>
+              <a:xfrm>
+                <a:off x="2724522" y="2739201"/>
+                <a:ext cx="426240" cy="216000"/>
+              </a:xfrm>
+              <a:prstGeom prst="rect">
+                <a:avLst/>
+              </a:prstGeom>
+            </p:spPr>
+          </p:pic>
+        </mc:Fallback>
+      </mc:AlternateContent>
     </p:spTree>
     <p:extLst>
       <p:ext uri="{BB962C8B-B14F-4D97-AF65-F5344CB8AC3E}">
@@ -25433,6 +25768,261 @@
           </a:p>
         </p:txBody>
       </p:sp>
+      <mc:AlternateContent xmlns:mc="http://schemas.openxmlformats.org/markup-compatibility/2006" xmlns:p14="http://schemas.microsoft.com/office/powerpoint/2010/main">
+        <mc:Choice Requires="p14">
+          <p:contentPart p14:bwMode="auto" r:id="rId5">
+            <p14:nvContentPartPr>
+              <p14:cNvPr id="2" name="Ink 1">
+                <a:extLst>
+                  <a:ext uri="{FF2B5EF4-FFF2-40B4-BE49-F238E27FC236}">
+                    <a16:creationId xmlns:a16="http://schemas.microsoft.com/office/drawing/2014/main" id="{A0F57BC1-8565-F4B3-4AD7-8DEA31B0F537}"/>
+                  </a:ext>
+                </a:extLst>
+              </p14:cNvPr>
+              <p14:cNvContentPartPr/>
+              <p14:nvPr/>
+            </p14:nvContentPartPr>
+            <p14:xfrm>
+              <a:off x="4061202" y="990681"/>
+              <a:ext cx="957600" cy="360"/>
+            </p14:xfrm>
+          </p:contentPart>
+        </mc:Choice>
+        <mc:Fallback xmlns="">
+          <p:pic>
+            <p:nvPicPr>
+              <p:cNvPr id="2" name="Ink 1">
+                <a:extLst>
+                  <a:ext uri="{FF2B5EF4-FFF2-40B4-BE49-F238E27FC236}">
+                    <a16:creationId xmlns:a16="http://schemas.microsoft.com/office/drawing/2014/main" id="{A0F57BC1-8565-F4B3-4AD7-8DEA31B0F537}"/>
+                  </a:ext>
+                </a:extLst>
+              </p:cNvPr>
+              <p:cNvPicPr/>
+              <p:nvPr/>
+            </p:nvPicPr>
+            <p:blipFill>
+              <a:blip r:embed="rId6"/>
+              <a:stretch>
+                <a:fillRect/>
+              </a:stretch>
+            </p:blipFill>
+            <p:spPr>
+              <a:xfrm>
+                <a:off x="4025562" y="918681"/>
+                <a:ext cx="1029240" cy="144000"/>
+              </a:xfrm>
+              <a:prstGeom prst="rect">
+                <a:avLst/>
+              </a:prstGeom>
+            </p:spPr>
+          </p:pic>
+        </mc:Fallback>
+      </mc:AlternateContent>
+      <mc:AlternateContent xmlns:mc="http://schemas.openxmlformats.org/markup-compatibility/2006" xmlns:p14="http://schemas.microsoft.com/office/powerpoint/2010/main">
+        <mc:Choice Requires="p14">
+          <p:contentPart p14:bwMode="auto" r:id="rId7">
+            <p14:nvContentPartPr>
+              <p14:cNvPr id="5" name="Ink 4">
+                <a:extLst>
+                  <a:ext uri="{FF2B5EF4-FFF2-40B4-BE49-F238E27FC236}">
+                    <a16:creationId xmlns:a16="http://schemas.microsoft.com/office/drawing/2014/main" id="{2ACCE32C-B69E-07D2-0A50-598E74D8FB2F}"/>
+                  </a:ext>
+                </a:extLst>
+              </p14:cNvPr>
+              <p14:cNvContentPartPr/>
+              <p14:nvPr/>
+            </p14:nvContentPartPr>
+            <p14:xfrm>
+              <a:off x="4061202" y="2748561"/>
+              <a:ext cx="237960" cy="360"/>
+            </p14:xfrm>
+          </p:contentPart>
+        </mc:Choice>
+        <mc:Fallback xmlns="">
+          <p:pic>
+            <p:nvPicPr>
+              <p:cNvPr id="5" name="Ink 4">
+                <a:extLst>
+                  <a:ext uri="{FF2B5EF4-FFF2-40B4-BE49-F238E27FC236}">
+                    <a16:creationId xmlns:a16="http://schemas.microsoft.com/office/drawing/2014/main" id="{2ACCE32C-B69E-07D2-0A50-598E74D8FB2F}"/>
+                  </a:ext>
+                </a:extLst>
+              </p:cNvPr>
+              <p:cNvPicPr/>
+              <p:nvPr/>
+            </p:nvPicPr>
+            <p:blipFill>
+              <a:blip r:embed="rId8"/>
+              <a:stretch>
+                <a:fillRect/>
+              </a:stretch>
+            </p:blipFill>
+            <p:spPr>
+              <a:xfrm>
+                <a:off x="4025562" y="2676561"/>
+                <a:ext cx="309600" cy="144000"/>
+              </a:xfrm>
+              <a:prstGeom prst="rect">
+                <a:avLst/>
+              </a:prstGeom>
+            </p:spPr>
+          </p:pic>
+        </mc:Fallback>
+      </mc:AlternateContent>
+      <mc:AlternateContent xmlns:mc="http://schemas.openxmlformats.org/markup-compatibility/2006" xmlns:p14="http://schemas.microsoft.com/office/powerpoint/2010/main">
+        <mc:Choice Requires="p14">
+          <p:contentPart p14:bwMode="auto" r:id="rId9">
+            <p14:nvContentPartPr>
+              <p14:cNvPr id="6" name="Ink 5">
+                <a:extLst>
+                  <a:ext uri="{FF2B5EF4-FFF2-40B4-BE49-F238E27FC236}">
+                    <a16:creationId xmlns:a16="http://schemas.microsoft.com/office/drawing/2014/main" id="{CA6C0B37-410F-28DE-F6BA-6B0886D7DA82}"/>
+                  </a:ext>
+                </a:extLst>
+              </p14:cNvPr>
+              <p14:cNvContentPartPr/>
+              <p14:nvPr/>
+            </p14:nvContentPartPr>
+            <p14:xfrm>
+              <a:off x="4337682" y="2748561"/>
+              <a:ext cx="708120" cy="360"/>
+            </p14:xfrm>
+          </p:contentPart>
+        </mc:Choice>
+        <mc:Fallback xmlns="">
+          <p:pic>
+            <p:nvPicPr>
+              <p:cNvPr id="6" name="Ink 5">
+                <a:extLst>
+                  <a:ext uri="{FF2B5EF4-FFF2-40B4-BE49-F238E27FC236}">
+                    <a16:creationId xmlns:a16="http://schemas.microsoft.com/office/drawing/2014/main" id="{CA6C0B37-410F-28DE-F6BA-6B0886D7DA82}"/>
+                  </a:ext>
+                </a:extLst>
+              </p:cNvPr>
+              <p:cNvPicPr/>
+              <p:nvPr/>
+            </p:nvPicPr>
+            <p:blipFill>
+              <a:blip r:embed="rId10"/>
+              <a:stretch>
+                <a:fillRect/>
+              </a:stretch>
+            </p:blipFill>
+            <p:spPr>
+              <a:xfrm>
+                <a:off x="4302042" y="2676561"/>
+                <a:ext cx="779760" cy="144000"/>
+              </a:xfrm>
+              <a:prstGeom prst="rect">
+                <a:avLst/>
+              </a:prstGeom>
+            </p:spPr>
+          </p:pic>
+        </mc:Fallback>
+      </mc:AlternateContent>
+      <mc:AlternateContent xmlns:mc="http://schemas.openxmlformats.org/markup-compatibility/2006" xmlns:p14="http://schemas.microsoft.com/office/powerpoint/2010/main">
+        <mc:Choice Requires="p14">
+          <p:contentPart p14:bwMode="auto" r:id="rId11">
+            <p14:nvContentPartPr>
+              <p14:cNvPr id="9" name="Ink 8">
+                <a:extLst>
+                  <a:ext uri="{FF2B5EF4-FFF2-40B4-BE49-F238E27FC236}">
+                    <a16:creationId xmlns:a16="http://schemas.microsoft.com/office/drawing/2014/main" id="{53E70297-13F9-0D98-C376-CCD98465BB90}"/>
+                  </a:ext>
+                </a:extLst>
+              </p14:cNvPr>
+              <p14:cNvContentPartPr/>
+              <p14:nvPr/>
+            </p14:nvContentPartPr>
+            <p14:xfrm>
+              <a:off x="5897202" y="2748561"/>
+              <a:ext cx="963720" cy="360"/>
+            </p14:xfrm>
+          </p:contentPart>
+        </mc:Choice>
+        <mc:Fallback xmlns="">
+          <p:pic>
+            <p:nvPicPr>
+              <p:cNvPr id="9" name="Ink 8">
+                <a:extLst>
+                  <a:ext uri="{FF2B5EF4-FFF2-40B4-BE49-F238E27FC236}">
+                    <a16:creationId xmlns:a16="http://schemas.microsoft.com/office/drawing/2014/main" id="{53E70297-13F9-0D98-C376-CCD98465BB90}"/>
+                  </a:ext>
+                </a:extLst>
+              </p:cNvPr>
+              <p:cNvPicPr/>
+              <p:nvPr/>
+            </p:nvPicPr>
+            <p:blipFill>
+              <a:blip r:embed="rId12"/>
+              <a:stretch>
+                <a:fillRect/>
+              </a:stretch>
+            </p:blipFill>
+            <p:spPr>
+              <a:xfrm>
+                <a:off x="5861562" y="2676561"/>
+                <a:ext cx="1035360" cy="144000"/>
+              </a:xfrm>
+              <a:prstGeom prst="rect">
+                <a:avLst/>
+              </a:prstGeom>
+            </p:spPr>
+          </p:pic>
+        </mc:Fallback>
+      </mc:AlternateContent>
+      <mc:AlternateContent xmlns:mc="http://schemas.openxmlformats.org/markup-compatibility/2006" xmlns:p14="http://schemas.microsoft.com/office/powerpoint/2010/main">
+        <mc:Choice Requires="p14">
+          <p:contentPart p14:bwMode="auto" r:id="rId13">
+            <p14:nvContentPartPr>
+              <p14:cNvPr id="10" name="Ink 9">
+                <a:extLst>
+                  <a:ext uri="{FF2B5EF4-FFF2-40B4-BE49-F238E27FC236}">
+                    <a16:creationId xmlns:a16="http://schemas.microsoft.com/office/drawing/2014/main" id="{8681A3DB-F377-E54C-F498-BCFEC09A8F99}"/>
+                  </a:ext>
+                </a:extLst>
+              </p14:cNvPr>
+              <p14:cNvContentPartPr/>
+              <p14:nvPr/>
+            </p14:nvContentPartPr>
+            <p14:xfrm>
+              <a:off x="7683882" y="2748561"/>
+              <a:ext cx="1076760" cy="360"/>
+            </p14:xfrm>
+          </p:contentPart>
+        </mc:Choice>
+        <mc:Fallback xmlns="">
+          <p:pic>
+            <p:nvPicPr>
+              <p:cNvPr id="10" name="Ink 9">
+                <a:extLst>
+                  <a:ext uri="{FF2B5EF4-FFF2-40B4-BE49-F238E27FC236}">
+                    <a16:creationId xmlns:a16="http://schemas.microsoft.com/office/drawing/2014/main" id="{8681A3DB-F377-E54C-F498-BCFEC09A8F99}"/>
+                  </a:ext>
+                </a:extLst>
+              </p:cNvPr>
+              <p:cNvPicPr/>
+              <p:nvPr/>
+            </p:nvPicPr>
+            <p:blipFill>
+              <a:blip r:embed="rId14"/>
+              <a:stretch>
+                <a:fillRect/>
+              </a:stretch>
+            </p:blipFill>
+            <p:spPr>
+              <a:xfrm>
+                <a:off x="7647882" y="2676561"/>
+                <a:ext cx="1148400" cy="144000"/>
+              </a:xfrm>
+              <a:prstGeom prst="rect">
+                <a:avLst/>
+              </a:prstGeom>
+            </p:spPr>
+          </p:pic>
+        </mc:Fallback>
+      </mc:AlternateContent>
     </p:spTree>
     <p:extLst>
       <p:ext uri="{BB962C8B-B14F-4D97-AF65-F5344CB8AC3E}">
@@ -25487,8 +26077,8 @@
         </p:nvSpPr>
         <p:spPr>
           <a:xfrm>
-            <a:off x="5442393" y="1280259"/>
-            <a:ext cx="3544800" cy="1870200"/>
+            <a:off x="5988197" y="1393673"/>
+            <a:ext cx="2872268" cy="1870200"/>
           </a:xfrm>
           <a:prstGeom prst="rect">
             <a:avLst/>
@@ -25512,15 +26102,35 @@
             </a:pPr>
             <a:r>
               <a:rPr lang="en-US" dirty="0"/>
-              <a:t>Performance of the STEM subject tests (1</a:t>
-            </a:r>
-            <a:r>
-              <a:rPr lang="en-US" baseline="30000" dirty="0"/>
+              <a:t>Performance of the STEM subject tests </a:t>
+            </a:r>
+            <a:r>
+              <a:rPr lang="en-US" dirty="0">
+                <a:highlight>
+                  <a:srgbClr val="FFFF00"/>
+                </a:highlight>
+              </a:rPr>
+              <a:t>(1</a:t>
+            </a:r>
+            <a:r>
+              <a:rPr lang="en-US" baseline="30000" dirty="0">
+                <a:highlight>
+                  <a:srgbClr val="FFFF00"/>
+                </a:highlight>
+              </a:rPr>
               <a:t>st</a:t>
             </a:r>
             <a:r>
+              <a:rPr lang="en-US" dirty="0">
+                <a:highlight>
+                  <a:srgbClr val="FFFF00"/>
+                </a:highlight>
+              </a:rPr>
+              <a:t> row)</a:t>
+            </a:r>
+            <a:r>
               <a:rPr lang="en-US" dirty="0"/>
-              <a:t> row) is also </a:t>
+              <a:t> is also </a:t>
             </a:r>
             <a:r>
               <a:rPr lang="en-US" b="1" dirty="0">
@@ -25612,8 +26222,8 @@
         </p:blipFill>
         <p:spPr>
           <a:xfrm>
-            <a:off x="4" y="2753183"/>
-            <a:ext cx="5381351" cy="1745485"/>
+            <a:off x="111176" y="2753183"/>
+            <a:ext cx="6052742" cy="1963256"/>
           </a:xfrm>
           <a:prstGeom prst="rect">
             <a:avLst/>
@@ -25642,14 +26252,167 @@
         </p:blipFill>
         <p:spPr>
           <a:xfrm>
-            <a:off x="1" y="1007698"/>
-            <a:ext cx="5381354" cy="1745486"/>
+            <a:off x="111176" y="789927"/>
+            <a:ext cx="6052742" cy="1963256"/>
           </a:xfrm>
           <a:prstGeom prst="rect">
             <a:avLst/>
           </a:prstGeom>
         </p:spPr>
       </p:pic>
+      <mc:AlternateContent xmlns:mc="http://schemas.openxmlformats.org/markup-compatibility/2006">
+        <mc:Choice xmlns:p14="http://schemas.microsoft.com/office/powerpoint/2010/main" Requires="p14">
+          <p:contentPart p14:bwMode="auto" r:id="rId5">
+            <p14:nvContentPartPr>
+              <p14:cNvPr id="2" name="Ink 1">
+                <a:extLst>
+                  <a:ext uri="{FF2B5EF4-FFF2-40B4-BE49-F238E27FC236}">
+                    <a16:creationId xmlns:a16="http://schemas.microsoft.com/office/drawing/2014/main" id="{0D752939-8F6D-189F-9D18-A4869147BBE0}"/>
+                  </a:ext>
+                </a:extLst>
+              </p14:cNvPr>
+              <p14:cNvContentPartPr/>
+              <p14:nvPr/>
+            </p14:nvContentPartPr>
+            <p14:xfrm>
+              <a:off x="571164" y="839827"/>
+              <a:ext cx="1065600" cy="360"/>
+            </p14:xfrm>
+          </p:contentPart>
+        </mc:Choice>
+        <mc:Fallback>
+          <p:pic>
+            <p:nvPicPr>
+              <p:cNvPr id="2" name="Ink 1">
+                <a:extLst>
+                  <a:ext uri="{FF2B5EF4-FFF2-40B4-BE49-F238E27FC236}">
+                    <a16:creationId xmlns:a16="http://schemas.microsoft.com/office/drawing/2014/main" id="{0D752939-8F6D-189F-9D18-A4869147BBE0}"/>
+                  </a:ext>
+                </a:extLst>
+              </p:cNvPr>
+              <p:cNvPicPr/>
+              <p:nvPr/>
+            </p:nvPicPr>
+            <p:blipFill>
+              <a:blip r:embed="rId6"/>
+              <a:stretch>
+                <a:fillRect/>
+              </a:stretch>
+            </p:blipFill>
+            <p:spPr>
+              <a:xfrm>
+                <a:off x="535164" y="767827"/>
+                <a:ext cx="1137240" cy="144000"/>
+              </a:xfrm>
+              <a:prstGeom prst="rect">
+                <a:avLst/>
+              </a:prstGeom>
+            </p:spPr>
+          </p:pic>
+        </mc:Fallback>
+      </mc:AlternateContent>
+      <mc:AlternateContent xmlns:mc="http://schemas.openxmlformats.org/markup-compatibility/2006">
+        <mc:Choice xmlns:p14="http://schemas.microsoft.com/office/powerpoint/2010/main" Requires="p14">
+          <p:contentPart p14:bwMode="auto" r:id="rId7">
+            <p14:nvContentPartPr>
+              <p14:cNvPr id="3" name="Ink 2">
+                <a:extLst>
+                  <a:ext uri="{FF2B5EF4-FFF2-40B4-BE49-F238E27FC236}">
+                    <a16:creationId xmlns:a16="http://schemas.microsoft.com/office/drawing/2014/main" id="{6E669D91-D018-6F54-3B62-EAFDB5C919A4}"/>
+                  </a:ext>
+                </a:extLst>
+              </p14:cNvPr>
+              <p14:cNvContentPartPr/>
+              <p14:nvPr/>
+            </p14:nvContentPartPr>
+            <p14:xfrm>
+              <a:off x="2612571" y="838149"/>
+              <a:ext cx="1145120" cy="360"/>
+            </p14:xfrm>
+          </p:contentPart>
+        </mc:Choice>
+        <mc:Fallback>
+          <p:pic>
+            <p:nvPicPr>
+              <p:cNvPr id="3" name="Ink 2">
+                <a:extLst>
+                  <a:ext uri="{FF2B5EF4-FFF2-40B4-BE49-F238E27FC236}">
+                    <a16:creationId xmlns:a16="http://schemas.microsoft.com/office/drawing/2014/main" id="{6E669D91-D018-6F54-3B62-EAFDB5C919A4}"/>
+                  </a:ext>
+                </a:extLst>
+              </p:cNvPr>
+              <p:cNvPicPr/>
+              <p:nvPr/>
+            </p:nvPicPr>
+            <p:blipFill>
+              <a:blip r:embed="rId8"/>
+              <a:stretch>
+                <a:fillRect/>
+              </a:stretch>
+            </p:blipFill>
+            <p:spPr>
+              <a:xfrm>
+                <a:off x="2576572" y="766149"/>
+                <a:ext cx="1216757" cy="144000"/>
+              </a:xfrm>
+              <a:prstGeom prst="rect">
+                <a:avLst/>
+              </a:prstGeom>
+            </p:spPr>
+          </p:pic>
+        </mc:Fallback>
+      </mc:AlternateContent>
+      <mc:AlternateContent xmlns:mc="http://schemas.openxmlformats.org/markup-compatibility/2006">
+        <mc:Choice xmlns:p14="http://schemas.microsoft.com/office/powerpoint/2010/main" Requires="p14">
+          <p:contentPart p14:bwMode="auto" r:id="rId9">
+            <p14:nvContentPartPr>
+              <p14:cNvPr id="6" name="Ink 5">
+                <a:extLst>
+                  <a:ext uri="{FF2B5EF4-FFF2-40B4-BE49-F238E27FC236}">
+                    <a16:creationId xmlns:a16="http://schemas.microsoft.com/office/drawing/2014/main" id="{754154E8-465A-C71B-4EF3-25A1954901F5}"/>
+                  </a:ext>
+                </a:extLst>
+              </p14:cNvPr>
+              <p14:cNvContentPartPr/>
+              <p14:nvPr/>
+            </p14:nvContentPartPr>
+            <p14:xfrm>
+              <a:off x="4685622" y="838149"/>
+              <a:ext cx="1145119" cy="360"/>
+            </p14:xfrm>
+          </p:contentPart>
+        </mc:Choice>
+        <mc:Fallback>
+          <p:pic>
+            <p:nvPicPr>
+              <p:cNvPr id="6" name="Ink 5">
+                <a:extLst>
+                  <a:ext uri="{FF2B5EF4-FFF2-40B4-BE49-F238E27FC236}">
+                    <a16:creationId xmlns:a16="http://schemas.microsoft.com/office/drawing/2014/main" id="{754154E8-465A-C71B-4EF3-25A1954901F5}"/>
+                  </a:ext>
+                </a:extLst>
+              </p:cNvPr>
+              <p:cNvPicPr/>
+              <p:nvPr/>
+            </p:nvPicPr>
+            <p:blipFill>
+              <a:blip r:embed="rId10"/>
+              <a:stretch>
+                <a:fillRect/>
+              </a:stretch>
+            </p:blipFill>
+            <p:spPr>
+              <a:xfrm>
+                <a:off x="4649612" y="766149"/>
+                <a:ext cx="1216779" cy="144000"/>
+              </a:xfrm>
+              <a:prstGeom prst="rect">
+                <a:avLst/>
+              </a:prstGeom>
+            </p:spPr>
+          </p:pic>
+        </mc:Fallback>
+      </mc:AlternateContent>
     </p:spTree>
     <p:extLst>
       <p:ext uri="{BB962C8B-B14F-4D97-AF65-F5344CB8AC3E}">
@@ -25864,36 +26627,6 @@
           </a:p>
         </p:txBody>
       </p:sp>
-      <p:pic>
-        <p:nvPicPr>
-          <p:cNvPr id="10" name="Picture 9">
-            <a:extLst>
-              <a:ext uri="{FF2B5EF4-FFF2-40B4-BE49-F238E27FC236}">
-                <a16:creationId xmlns:a16="http://schemas.microsoft.com/office/drawing/2014/main" id="{8D5EE84B-8EA1-7BF2-23AE-4FE650BA5DA5}"/>
-              </a:ext>
-            </a:extLst>
-          </p:cNvPr>
-          <p:cNvPicPr>
-            <a:picLocks noChangeAspect="1"/>
-          </p:cNvPicPr>
-          <p:nvPr/>
-        </p:nvPicPr>
-        <p:blipFill>
-          <a:blip r:embed="rId3"/>
-          <a:stretch>
-            <a:fillRect/>
-          </a:stretch>
-        </p:blipFill>
-        <p:spPr>
-          <a:xfrm>
-            <a:off x="4329126" y="231722"/>
-            <a:ext cx="4544610" cy="4680055"/>
-          </a:xfrm>
-          <a:prstGeom prst="rect">
-            <a:avLst/>
-          </a:prstGeom>
-        </p:spPr>
-      </p:pic>
       <p:sp>
         <p:nvSpPr>
           <p:cNvPr id="2" name="Google Shape;373;p45">
@@ -25942,6 +26675,36 @@
           </a:p>
         </p:txBody>
       </p:sp>
+      <p:pic>
+        <p:nvPicPr>
+          <p:cNvPr id="4" name="Picture 3">
+            <a:extLst>
+              <a:ext uri="{FF2B5EF4-FFF2-40B4-BE49-F238E27FC236}">
+                <a16:creationId xmlns:a16="http://schemas.microsoft.com/office/drawing/2014/main" id="{1F081897-0336-994A-56DC-7B445C1F34E1}"/>
+              </a:ext>
+            </a:extLst>
+          </p:cNvPr>
+          <p:cNvPicPr>
+            <a:picLocks noChangeAspect="1"/>
+          </p:cNvPicPr>
+          <p:nvPr/>
+        </p:nvPicPr>
+        <p:blipFill>
+          <a:blip r:embed="rId3"/>
+          <a:stretch>
+            <a:fillRect/>
+          </a:stretch>
+        </p:blipFill>
+        <p:spPr>
+          <a:xfrm>
+            <a:off x="4252501" y="580717"/>
+            <a:ext cx="4714399" cy="3982065"/>
+          </a:xfrm>
+          <a:prstGeom prst="rect">
+            <a:avLst/>
+          </a:prstGeom>
+        </p:spPr>
+      </p:pic>
     </p:spTree>
     <p:extLst>
       <p:ext uri="{BB962C8B-B14F-4D97-AF65-F5344CB8AC3E}">
